--- a/prezentace/BP_prezentace.pptx
+++ b/prezentace/BP_prezentace.pptx
@@ -486,7 +486,7 @@
   <p:cSld>
     <p:spTree>
       <p:nvGrpSpPr>
-        <p:cNvPr id="189" name="Shape 189"/>
+        <p:cNvPr id="191" name="Shape 191"/>
         <p:cNvGrpSpPr/>
         <p:nvPr/>
       </p:nvGrpSpPr>
@@ -500,7 +500,7 @@
       </p:grpSpPr>
       <p:sp>
         <p:nvSpPr>
-          <p:cNvPr id="190" name="Shape 190"/>
+          <p:cNvPr id="192" name="Shape 192"/>
           <p:cNvSpPr txBox="1"/>
           <p:nvPr>
             <p:ph idx="1" type="body"/>
@@ -540,7 +540,7 @@
       </p:sp>
       <p:sp>
         <p:nvSpPr>
-          <p:cNvPr id="191" name="Shape 191"/>
+          <p:cNvPr id="193" name="Shape 193"/>
           <p:cNvSpPr/>
           <p:nvPr>
             <p:ph idx="2" type="sldImg"/>
@@ -585,7 +585,7 @@
   <p:cSld>
     <p:spTree>
       <p:nvGrpSpPr>
-        <p:cNvPr id="194" name="Shape 194"/>
+        <p:cNvPr id="196" name="Shape 196"/>
         <p:cNvGrpSpPr/>
         <p:nvPr/>
       </p:nvGrpSpPr>
@@ -599,7 +599,7 @@
       </p:grpSpPr>
       <p:sp>
         <p:nvSpPr>
-          <p:cNvPr id="195" name="Shape 195"/>
+          <p:cNvPr id="197" name="Shape 197"/>
           <p:cNvSpPr/>
           <p:nvPr>
             <p:ph idx="2" type="sldImg"/>
@@ -633,7 +633,7 @@
       </p:sp>
       <p:sp>
         <p:nvSpPr>
-          <p:cNvPr id="196" name="Shape 196"/>
+          <p:cNvPr id="198" name="Shape 198"/>
           <p:cNvSpPr txBox="1"/>
           <p:nvPr>
             <p:ph idx="1" type="body"/>
@@ -977,7 +977,7 @@
   <p:cSld>
     <p:spTree>
       <p:nvGrpSpPr>
-        <p:cNvPr id="159" name="Shape 159"/>
+        <p:cNvPr id="160" name="Shape 160"/>
         <p:cNvGrpSpPr/>
         <p:nvPr/>
       </p:nvGrpSpPr>
@@ -991,7 +991,7 @@
       </p:grpSpPr>
       <p:sp>
         <p:nvSpPr>
-          <p:cNvPr id="160" name="Shape 160"/>
+          <p:cNvPr id="161" name="Shape 161"/>
           <p:cNvSpPr txBox="1"/>
           <p:nvPr>
             <p:ph idx="1" type="body"/>
@@ -1031,7 +1031,7 @@
       </p:sp>
       <p:sp>
         <p:nvSpPr>
-          <p:cNvPr id="161" name="Shape 161"/>
+          <p:cNvPr id="162" name="Shape 162"/>
           <p:cNvSpPr/>
           <p:nvPr>
             <p:ph idx="2" type="sldImg"/>
@@ -1076,7 +1076,7 @@
   <p:cSld>
     <p:spTree>
       <p:nvGrpSpPr>
-        <p:cNvPr id="165" name="Shape 165"/>
+        <p:cNvPr id="166" name="Shape 166"/>
         <p:cNvGrpSpPr/>
         <p:nvPr/>
       </p:nvGrpSpPr>
@@ -1090,7 +1090,7 @@
       </p:grpSpPr>
       <p:sp>
         <p:nvSpPr>
-          <p:cNvPr id="166" name="Shape 166"/>
+          <p:cNvPr id="167" name="Shape 167"/>
           <p:cNvSpPr txBox="1"/>
           <p:nvPr>
             <p:ph idx="1" type="body"/>
@@ -1130,7 +1130,7 @@
       </p:sp>
       <p:sp>
         <p:nvSpPr>
-          <p:cNvPr id="167" name="Shape 167"/>
+          <p:cNvPr id="168" name="Shape 168"/>
           <p:cNvSpPr/>
           <p:nvPr>
             <p:ph idx="2" type="sldImg"/>
@@ -1175,7 +1175,7 @@
   <p:cSld>
     <p:spTree>
       <p:nvGrpSpPr>
-        <p:cNvPr id="171" name="Shape 171"/>
+        <p:cNvPr id="172" name="Shape 172"/>
         <p:cNvGrpSpPr/>
         <p:nvPr/>
       </p:nvGrpSpPr>
@@ -1189,7 +1189,7 @@
       </p:grpSpPr>
       <p:sp>
         <p:nvSpPr>
-          <p:cNvPr id="172" name="Shape 172"/>
+          <p:cNvPr id="173" name="Shape 173"/>
           <p:cNvSpPr txBox="1"/>
           <p:nvPr>
             <p:ph idx="1" type="body"/>
@@ -1229,7 +1229,7 @@
       </p:sp>
       <p:sp>
         <p:nvSpPr>
-          <p:cNvPr id="173" name="Shape 173"/>
+          <p:cNvPr id="174" name="Shape 174"/>
           <p:cNvSpPr/>
           <p:nvPr>
             <p:ph idx="2" type="sldImg"/>
@@ -1274,7 +1274,7 @@
   <p:cSld>
     <p:spTree>
       <p:nvGrpSpPr>
-        <p:cNvPr id="177" name="Shape 177"/>
+        <p:cNvPr id="179" name="Shape 179"/>
         <p:cNvGrpSpPr/>
         <p:nvPr/>
       </p:nvGrpSpPr>
@@ -1288,7 +1288,7 @@
       </p:grpSpPr>
       <p:sp>
         <p:nvSpPr>
-          <p:cNvPr id="178" name="Shape 178"/>
+          <p:cNvPr id="180" name="Shape 180"/>
           <p:cNvSpPr txBox="1"/>
           <p:nvPr>
             <p:ph idx="1" type="body"/>
@@ -1328,7 +1328,7 @@
       </p:sp>
       <p:sp>
         <p:nvSpPr>
-          <p:cNvPr id="179" name="Shape 179"/>
+          <p:cNvPr id="181" name="Shape 181"/>
           <p:cNvSpPr/>
           <p:nvPr>
             <p:ph idx="2" type="sldImg"/>
@@ -1373,7 +1373,7 @@
   <p:cSld>
     <p:spTree>
       <p:nvGrpSpPr>
-        <p:cNvPr id="183" name="Shape 183"/>
+        <p:cNvPr id="185" name="Shape 185"/>
         <p:cNvGrpSpPr/>
         <p:nvPr/>
       </p:nvGrpSpPr>
@@ -1387,7 +1387,7 @@
       </p:grpSpPr>
       <p:sp>
         <p:nvSpPr>
-          <p:cNvPr id="184" name="Shape 184"/>
+          <p:cNvPr id="186" name="Shape 186"/>
           <p:cNvSpPr txBox="1"/>
           <p:nvPr>
             <p:ph idx="1" type="body"/>
@@ -1427,7 +1427,7 @@
       </p:sp>
       <p:sp>
         <p:nvSpPr>
-          <p:cNvPr id="185" name="Shape 185"/>
+          <p:cNvPr id="187" name="Shape 187"/>
           <p:cNvSpPr/>
           <p:nvPr>
             <p:ph idx="2" type="sldImg"/>
@@ -24461,7 +24461,31 @@
                 <a:cs typeface="Georgia"/>
                 <a:sym typeface="Georgia"/>
               </a:rPr>
-              <a:t>Student. Martin Jákl</a:t>
+              <a:t>Student</a:t>
+            </a:r>
+            <a:r>
+              <a:rPr lang="cs-CZ" sz="2400">
+                <a:solidFill>
+                  <a:schemeClr val="dk1"/>
+                </a:solidFill>
+                <a:latin typeface="Georgia"/>
+                <a:ea typeface="Georgia"/>
+                <a:cs typeface="Georgia"/>
+                <a:sym typeface="Georgia"/>
+              </a:rPr>
+              <a:t>:</a:t>
+            </a:r>
+            <a:r>
+              <a:rPr b="0" i="0" lang="cs-CZ" sz="2400" u="none">
+                <a:solidFill>
+                  <a:schemeClr val="dk1"/>
+                </a:solidFill>
+                <a:latin typeface="Georgia"/>
+                <a:ea typeface="Georgia"/>
+                <a:cs typeface="Georgia"/>
+                <a:sym typeface="Georgia"/>
+              </a:rPr>
+              <a:t> Martin Jákl</a:t>
             </a:r>
           </a:p>
           <a:p>
@@ -24522,7 +24546,7 @@
   <p:cSld>
     <p:spTree>
       <p:nvGrpSpPr>
-        <p:cNvPr id="192" name="Shape 192"/>
+        <p:cNvPr id="194" name="Shape 194"/>
         <p:cNvGrpSpPr/>
         <p:nvPr/>
       </p:nvGrpSpPr>
@@ -24536,7 +24560,7 @@
       </p:grpSpPr>
       <p:sp>
         <p:nvSpPr>
-          <p:cNvPr id="193" name="Shape 193"/>
+          <p:cNvPr id="195" name="Shape 195"/>
           <p:cNvSpPr txBox="1"/>
           <p:nvPr>
             <p:ph idx="4294967295" type="title"/>
@@ -24606,7 +24630,7 @@
   <p:cSld>
     <p:spTree>
       <p:nvGrpSpPr>
-        <p:cNvPr id="197" name="Shape 197"/>
+        <p:cNvPr id="199" name="Shape 199"/>
         <p:cNvGrpSpPr/>
         <p:nvPr/>
       </p:nvGrpSpPr>
@@ -24620,7 +24644,7 @@
       </p:grpSpPr>
       <p:sp>
         <p:nvSpPr>
-          <p:cNvPr id="198" name="Shape 198"/>
+          <p:cNvPr id="200" name="Shape 200"/>
           <p:cNvSpPr txBox="1"/>
           <p:nvPr>
             <p:ph idx="4294967295" type="body"/>
@@ -24688,77 +24712,7 @@
             <a:r>
               <a:t/>
             </a:r>
-            <a:endParaRPr b="0" i="0" sz="1800" u="none">
-              <a:solidFill>
-                <a:srgbClr val="404040"/>
-              </a:solidFill>
-              <a:latin typeface="Calibri"/>
-              <a:ea typeface="Calibri"/>
-              <a:cs typeface="Calibri"/>
-              <a:sym typeface="Calibri"/>
-            </a:endParaRPr>
-          </a:p>
-          <a:p>
-            <a:pPr indent="-90487" lvl="0" marL="90487" marR="0" rtl="0" algn="l">
-              <a:lnSpc>
-                <a:spcPct val="90000"/>
-              </a:lnSpc>
-              <a:spcBef>
-                <a:spcPts val="1400"/>
-              </a:spcBef>
-              <a:spcAft>
-                <a:spcPts val="0"/>
-              </a:spcAft>
-              <a:buClr>
-                <a:schemeClr val="accent1"/>
-              </a:buClr>
-              <a:buSzPct val="25000"/>
-              <a:buFont typeface="Calibri"/>
-              <a:buNone/>
-            </a:pPr>
-            <a:r>
-              <a:t/>
-            </a:r>
-            <a:endParaRPr b="0" i="0" sz="1800" u="none">
-              <a:solidFill>
-                <a:srgbClr val="404040"/>
-              </a:solidFill>
-              <a:latin typeface="Calibri"/>
-              <a:ea typeface="Calibri"/>
-              <a:cs typeface="Calibri"/>
-              <a:sym typeface="Calibri"/>
-            </a:endParaRPr>
-          </a:p>
-          <a:p>
-            <a:pPr indent="-90487" lvl="0" marL="90487" marR="0" rtl="0" algn="l">
-              <a:lnSpc>
-                <a:spcPct val="90000"/>
-              </a:lnSpc>
-              <a:spcBef>
-                <a:spcPts val="1400"/>
-              </a:spcBef>
-              <a:spcAft>
-                <a:spcPts val="0"/>
-              </a:spcAft>
-              <a:buClr>
-                <a:schemeClr val="accent1"/>
-              </a:buClr>
-              <a:buSzPct val="25000"/>
-              <a:buFont typeface="Calibri"/>
-              <a:buNone/>
-            </a:pPr>
-            <a:r>
-              <a:t/>
-            </a:r>
-            <a:endParaRPr b="0" i="0" sz="1800" u="none">
-              <a:solidFill>
-                <a:srgbClr val="404040"/>
-              </a:solidFill>
-              <a:latin typeface="Calibri"/>
-              <a:ea typeface="Calibri"/>
-              <a:cs typeface="Calibri"/>
-              <a:sym typeface="Calibri"/>
-            </a:endParaRPr>
+            <a:endParaRPr sz="1800"/>
           </a:p>
           <a:p>
             <a:pPr indent="-90487" lvl="0" marL="90487" marR="0" rtl="0" algn="l">
@@ -24781,18 +24735,10 @@
             <a:r>
               <a:t/>
             </a:r>
-            <a:endParaRPr b="0" i="0" sz="1800" u="none">
-              <a:solidFill>
-                <a:srgbClr val="404040"/>
-              </a:solidFill>
-              <a:latin typeface="Calibri"/>
-              <a:ea typeface="Calibri"/>
-              <a:cs typeface="Calibri"/>
-              <a:sym typeface="Calibri"/>
-            </a:endParaRPr>
+            <a:endParaRPr sz="1800"/>
           </a:p>
           <a:p>
-            <a:pPr indent="-90487" lvl="0" marL="90487" marR="0" rtl="0" algn="l">
+            <a:pPr indent="-342900" lvl="0" marL="457200" marR="0" rtl="0" algn="l">
               <a:lnSpc>
                 <a:spcPct val="90000"/>
               </a:lnSpc>
@@ -24803,30 +24749,85 @@
                 <a:spcPts val="0"/>
               </a:spcAft>
               <a:buClr>
-                <a:schemeClr val="accent1"/>
+                <a:srgbClr val="000000"/>
               </a:buClr>
               <a:buSzPct val="100000"/>
-              <a:buFont typeface="Calibri"/>
+              <a:buFont typeface="Georgia"/>
+            </a:pPr>
+            <a:r>
+              <a:rPr lang="cs-CZ" sz="1800">
+                <a:solidFill>
+                  <a:srgbClr val="000000"/>
+                </a:solidFill>
+                <a:latin typeface="Georgia"/>
+                <a:ea typeface="Georgia"/>
+                <a:cs typeface="Georgia"/>
+                <a:sym typeface="Georgia"/>
+              </a:rPr>
+              <a:t>Udělit pro OSM vyjimku z licence</a:t>
+            </a:r>
+          </a:p>
+          <a:p>
+            <a:pPr indent="0" lvl="0" marL="0" marR="0" rtl="0" algn="l">
+              <a:lnSpc>
+                <a:spcPct val="90000"/>
+              </a:lnSpc>
+              <a:spcBef>
+                <a:spcPts val="1400"/>
+              </a:spcBef>
+              <a:spcAft>
+                <a:spcPts val="0"/>
+              </a:spcAft>
               <a:buNone/>
             </a:pPr>
             <a:r>
               <a:t/>
             </a:r>
-            <a:endParaRPr b="0" i="0" sz="1800" u="none">
+            <a:endParaRPr sz="1800">
               <a:solidFill>
-                <a:srgbClr val="404040"/>
+                <a:srgbClr val="000000"/>
               </a:solidFill>
-              <a:latin typeface="Calibri"/>
-              <a:ea typeface="Calibri"/>
-              <a:cs typeface="Calibri"/>
-              <a:sym typeface="Calibri"/>
+              <a:latin typeface="Georgia"/>
+              <a:ea typeface="Georgia"/>
+              <a:cs typeface="Georgia"/>
+              <a:sym typeface="Georgia"/>
             </a:endParaRPr>
+          </a:p>
+          <a:p>
+            <a:pPr indent="-342900" lvl="0" marL="457200" marR="0" rtl="0" algn="l">
+              <a:lnSpc>
+                <a:spcPct val="90000"/>
+              </a:lnSpc>
+              <a:spcBef>
+                <a:spcPts val="1400"/>
+              </a:spcBef>
+              <a:spcAft>
+                <a:spcPts val="0"/>
+              </a:spcAft>
+              <a:buClr>
+                <a:srgbClr val="000000"/>
+              </a:buClr>
+              <a:buSzPct val="100000"/>
+              <a:buFont typeface="Georgia"/>
+            </a:pPr>
+            <a:r>
+              <a:rPr lang="cs-CZ" sz="1800">
+                <a:solidFill>
+                  <a:srgbClr val="000000"/>
+                </a:solidFill>
+                <a:latin typeface="Georgia"/>
+                <a:ea typeface="Georgia"/>
+                <a:cs typeface="Georgia"/>
+                <a:sym typeface="Georgia"/>
+              </a:rPr>
+              <a:t>Přidat licencování dat -&gt; dualita (CC BY-SA + ODbL)</a:t>
+            </a:r>
           </a:p>
         </p:txBody>
       </p:sp>
       <p:sp>
         <p:nvSpPr>
-          <p:cNvPr id="199" name="Shape 199"/>
+          <p:cNvPr id="201" name="Shape 201"/>
           <p:cNvSpPr txBox="1"/>
           <p:nvPr>
             <p:ph idx="4294967295" type="title"/>
@@ -25751,6 +25752,34 @@
           </a:p>
         </p:txBody>
       </p:sp>
+      <p:pic>
+        <p:nvPicPr>
+          <p:cNvPr descr="osm.jpg" id="159" name="Shape 159"/>
+          <p:cNvPicPr preferRelativeResize="0"/>
+          <p:nvPr/>
+        </p:nvPicPr>
+        <p:blipFill>
+          <a:blip r:embed="rId3">
+            <a:alphaModFix/>
+          </a:blip>
+          <a:stretch>
+            <a:fillRect/>
+          </a:stretch>
+        </p:blipFill>
+        <p:spPr>
+          <a:xfrm>
+            <a:off x="7587750" y="1978275"/>
+            <a:ext cx="2438400" cy="2438400"/>
+          </a:xfrm>
+          <a:prstGeom prst="rect">
+            <a:avLst/>
+          </a:prstGeom>
+          <a:noFill/>
+          <a:ln>
+            <a:noFill/>
+          </a:ln>
+        </p:spPr>
+      </p:pic>
     </p:spTree>
   </p:cSld>
   <p:clrMapOvr>
@@ -25764,7 +25793,7 @@
   <p:cSld>
     <p:spTree>
       <p:nvGrpSpPr>
-        <p:cNvPr id="162" name="Shape 162"/>
+        <p:cNvPr id="163" name="Shape 163"/>
         <p:cNvGrpSpPr/>
         <p:nvPr/>
       </p:nvGrpSpPr>
@@ -25778,7 +25807,7 @@
       </p:grpSpPr>
       <p:sp>
         <p:nvSpPr>
-          <p:cNvPr id="163" name="Shape 163"/>
+          <p:cNvPr id="164" name="Shape 164"/>
           <p:cNvSpPr txBox="1"/>
           <p:nvPr>
             <p:ph type="title"/>
@@ -25851,7 +25880,7 @@
       </p:sp>
       <p:sp>
         <p:nvSpPr>
-          <p:cNvPr id="164" name="Shape 164"/>
+          <p:cNvPr id="165" name="Shape 165"/>
           <p:cNvSpPr txBox="1"/>
           <p:nvPr>
             <p:ph idx="1" type="body"/>
@@ -26056,7 +26085,7 @@
                 <a:cs typeface="Georgia"/>
                 <a:sym typeface="Georgia"/>
               </a:rPr>
-              <a:t>kompletní data (1. 5. 2015)</a:t>
+              <a:t>kompletní data (1. 4. 2015)</a:t>
             </a:r>
           </a:p>
         </p:txBody>
@@ -26074,7 +26103,7 @@
   <p:cSld>
     <p:spTree>
       <p:nvGrpSpPr>
-        <p:cNvPr id="168" name="Shape 168"/>
+        <p:cNvPr id="169" name="Shape 169"/>
         <p:cNvGrpSpPr/>
         <p:nvPr/>
       </p:nvGrpSpPr>
@@ -26088,7 +26117,7 @@
       </p:grpSpPr>
       <p:sp>
         <p:nvSpPr>
-          <p:cNvPr id="169" name="Shape 169"/>
+          <p:cNvPr id="170" name="Shape 170"/>
           <p:cNvSpPr txBox="1"/>
           <p:nvPr>
             <p:ph type="title"/>
@@ -26144,7 +26173,7 @@
       </p:sp>
       <p:sp>
         <p:nvSpPr>
-          <p:cNvPr id="170" name="Shape 170"/>
+          <p:cNvPr id="171" name="Shape 171"/>
           <p:cNvSpPr txBox="1"/>
           <p:nvPr>
             <p:ph idx="1" type="body"/>
@@ -26387,7 +26416,7 @@
   <p:cSld>
     <p:spTree>
       <p:nvGrpSpPr>
-        <p:cNvPr id="174" name="Shape 174"/>
+        <p:cNvPr id="175" name="Shape 175"/>
         <p:cNvGrpSpPr/>
         <p:nvPr/>
       </p:nvGrpSpPr>
@@ -26401,7 +26430,7 @@
       </p:grpSpPr>
       <p:sp>
         <p:nvSpPr>
-          <p:cNvPr id="175" name="Shape 175"/>
+          <p:cNvPr id="176" name="Shape 176"/>
           <p:cNvSpPr txBox="1"/>
           <p:nvPr>
             <p:ph type="title"/>
@@ -26457,7 +26486,7 @@
       </p:sp>
       <p:sp>
         <p:nvSpPr>
-          <p:cNvPr id="176" name="Shape 176"/>
+          <p:cNvPr id="177" name="Shape 177"/>
           <p:cNvSpPr txBox="1"/>
           <p:nvPr>
             <p:ph idx="1" type="body"/>
@@ -26506,7 +26535,7 @@
                 <a:cs typeface="Georgia"/>
                 <a:sym typeface="Georgia"/>
               </a:rPr>
-              <a:t>program vytvořen v jazyce Python 2.7.1</a:t>
+              <a:t>program vytvořen v jazyce Python (2.7)</a:t>
             </a:r>
           </a:p>
           <a:p>
@@ -26534,7 +26563,7 @@
                 <a:cs typeface="Georgia"/>
                 <a:sym typeface="Georgia"/>
               </a:rPr>
-              <a:t>prochází distribuční kanál </a:t>
+              <a:t>prochází distribuční kanál IPR </a:t>
             </a:r>
             <a:r>
               <a:rPr lang="cs-CZ" sz="1400">
@@ -26575,7 +26604,7 @@
             </a:r>
           </a:p>
           <a:p>
-            <a:pPr lvl="2" marL="566737" marR="0" rtl="0" algn="l">
+            <a:pPr lvl="2" marR="0" rtl="0" algn="l">
               <a:lnSpc>
                 <a:spcPct val="115000"/>
               </a:lnSpc>
@@ -26592,29 +26621,14 @@
               <a:buFont typeface="Georgia"/>
             </a:pPr>
             <a:r>
-              <a:rPr lang="cs-CZ" sz="2000">
+              <a:rPr b="1" lang="cs-CZ" sz="2000">
                 <a:latin typeface="Georgia"/>
                 <a:ea typeface="Georgia"/>
                 <a:cs typeface="Georgia"/>
                 <a:sym typeface="Georgia"/>
               </a:rPr>
-              <a:t>procházení / hledání datových sad</a:t>
+              <a:t>procházení</a:t>
             </a:r>
-          </a:p>
-          <a:p>
-            <a:pPr lvl="2" marL="566737" marR="0" rtl="0" algn="l">
-              <a:lnSpc>
-                <a:spcPct val="115000"/>
-              </a:lnSpc>
-              <a:spcBef>
-                <a:spcPts val="400"/>
-              </a:spcBef>
-              <a:spcAft>
-                <a:spcPts val="0"/>
-              </a:spcAft>
-              <a:buSzPct val="100000"/>
-              <a:buFont typeface="Georgia"/>
-            </a:pPr>
             <a:r>
               <a:rPr lang="cs-CZ" sz="2000">
                 <a:latin typeface="Georgia"/>
@@ -26622,7 +26636,58 @@
                 <a:cs typeface="Georgia"/>
                 <a:sym typeface="Georgia"/>
               </a:rPr>
-              <a:t>stahování dat   </a:t>
+              <a:t> / </a:t>
+            </a:r>
+            <a:r>
+              <a:rPr b="1" lang="cs-CZ" sz="2000">
+                <a:latin typeface="Georgia"/>
+                <a:ea typeface="Georgia"/>
+                <a:cs typeface="Georgia"/>
+                <a:sym typeface="Georgia"/>
+              </a:rPr>
+              <a:t>hledání</a:t>
+            </a:r>
+            <a:r>
+              <a:rPr lang="cs-CZ" sz="2000">
+                <a:latin typeface="Georgia"/>
+                <a:ea typeface="Georgia"/>
+                <a:cs typeface="Georgia"/>
+                <a:sym typeface="Georgia"/>
+              </a:rPr>
+              <a:t> datových sad</a:t>
+            </a:r>
+          </a:p>
+          <a:p>
+            <a:pPr lvl="2" marL="566737" marR="0" rtl="0" algn="l">
+              <a:lnSpc>
+                <a:spcPct val="115000"/>
+              </a:lnSpc>
+              <a:spcBef>
+                <a:spcPts val="400"/>
+              </a:spcBef>
+              <a:spcAft>
+                <a:spcPts val="0"/>
+              </a:spcAft>
+              <a:buSzPct val="100000"/>
+              <a:buFont typeface="Georgia"/>
+            </a:pPr>
+            <a:r>
+              <a:rPr b="1" lang="cs-CZ" sz="2000">
+                <a:latin typeface="Georgia"/>
+                <a:ea typeface="Georgia"/>
+                <a:cs typeface="Georgia"/>
+                <a:sym typeface="Georgia"/>
+              </a:rPr>
+              <a:t>stahování</a:t>
+            </a:r>
+            <a:r>
+              <a:rPr lang="cs-CZ" sz="2000">
+                <a:latin typeface="Georgia"/>
+                <a:ea typeface="Georgia"/>
+                <a:cs typeface="Georgia"/>
+                <a:sym typeface="Georgia"/>
+              </a:rPr>
+              <a:t> dat   </a:t>
             </a:r>
             <a:r>
               <a:rPr lang="cs-CZ">
@@ -26633,6 +26698,50 @@
               </a:rPr>
               <a:t>(různé souborové formáty, SRS,...)</a:t>
             </a:r>
+            <a:br>
+              <a:rPr lang="cs-CZ">
+                <a:latin typeface="Georgia"/>
+                <a:ea typeface="Georgia"/>
+                <a:cs typeface="Georgia"/>
+                <a:sym typeface="Georgia"/>
+              </a:rPr>
+            </a:br>
+            <a:r>
+              <a:rPr lang="cs-CZ" sz="1800">
+                <a:latin typeface="Georgia"/>
+                <a:ea typeface="Georgia"/>
+                <a:cs typeface="Georgia"/>
+                <a:sym typeface="Georgia"/>
+              </a:rPr>
+              <a:t>	př.: 		</a:t>
+            </a:r>
+            <a:r>
+              <a:rPr lang="cs-CZ" sz="1800">
+                <a:latin typeface="Courier New"/>
+                <a:ea typeface="Courier New"/>
+                <a:cs typeface="Courier New"/>
+                <a:sym typeface="Courier New"/>
+              </a:rPr>
+              <a:t>$</a:t>
+            </a:r>
+            <a:r>
+              <a:rPr lang="cs-CZ" sz="1800">
+                <a:latin typeface="Georgia"/>
+                <a:ea typeface="Georgia"/>
+                <a:cs typeface="Georgia"/>
+                <a:sym typeface="Georgia"/>
+              </a:rPr>
+              <a:t> </a:t>
+            </a:r>
+            <a:r>
+              <a:rPr lang="cs-CZ" sz="1800">
+                <a:latin typeface="Courier New"/>
+                <a:ea typeface="Courier New"/>
+                <a:cs typeface="Courier New"/>
+                <a:sym typeface="Courier New"/>
+              </a:rPr>
+              <a:t>iprdownloader.py --alike 'PID' --download</a:t>
+            </a:r>
           </a:p>
           <a:p>
             <a:pPr lvl="2" marL="566737" marR="0" rtl="0" algn="l">
@@ -26648,6 +26757,15 @@
               <a:buSzPct val="100000"/>
               <a:buFont typeface="Georgia"/>
             </a:pPr>
+            <a:r>
+              <a:rPr b="1" lang="cs-CZ" sz="2000">
+                <a:latin typeface="Georgia"/>
+                <a:ea typeface="Georgia"/>
+                <a:cs typeface="Georgia"/>
+                <a:sym typeface="Georgia"/>
+              </a:rPr>
+              <a:t>import</a:t>
+            </a:r>
             <a:r>
               <a:rPr lang="cs-CZ" sz="2000">
                 <a:latin typeface="Georgia"/>
@@ -26655,11 +26773,39 @@
                 <a:cs typeface="Georgia"/>
                 <a:sym typeface="Georgia"/>
               </a:rPr>
-              <a:t>import do databáze PostgreSQL(PostGIS)</a:t>
+              <a:t> do databáze PostgreSQL(PostGIS)</a:t>
             </a:r>
           </a:p>
         </p:txBody>
       </p:sp>
+      <p:pic>
+        <p:nvPicPr>
+          <p:cNvPr descr="py.jpg" id="178" name="Shape 178"/>
+          <p:cNvPicPr preferRelativeResize="0"/>
+          <p:nvPr/>
+        </p:nvPicPr>
+        <p:blipFill>
+          <a:blip r:embed="rId3">
+            <a:alphaModFix/>
+          </a:blip>
+          <a:stretch>
+            <a:fillRect/>
+          </a:stretch>
+        </p:blipFill>
+        <p:spPr>
+          <a:xfrm>
+            <a:off x="7664700" y="1812925"/>
+            <a:ext cx="3076574" cy="911575"/>
+          </a:xfrm>
+          <a:prstGeom prst="rect">
+            <a:avLst/>
+          </a:prstGeom>
+          <a:noFill/>
+          <a:ln>
+            <a:noFill/>
+          </a:ln>
+        </p:spPr>
+      </p:pic>
     </p:spTree>
   </p:cSld>
   <p:clrMapOvr>
@@ -26673,7 +26819,7 @@
   <p:cSld>
     <p:spTree>
       <p:nvGrpSpPr>
-        <p:cNvPr id="180" name="Shape 180"/>
+        <p:cNvPr id="182" name="Shape 182"/>
         <p:cNvGrpSpPr/>
         <p:nvPr/>
       </p:nvGrpSpPr>
@@ -26687,7 +26833,7 @@
       </p:grpSpPr>
       <p:sp>
         <p:nvSpPr>
-          <p:cNvPr id="181" name="Shape 181"/>
+          <p:cNvPr id="183" name="Shape 183"/>
           <p:cNvSpPr txBox="1"/>
           <p:nvPr>
             <p:ph type="title"/>
@@ -26743,7 +26889,7 @@
       </p:sp>
       <p:sp>
         <p:nvSpPr>
-          <p:cNvPr id="182" name="Shape 182"/>
+          <p:cNvPr id="184" name="Shape 184"/>
           <p:cNvSpPr txBox="1"/>
           <p:nvPr>
             <p:ph idx="1" type="body"/>
@@ -26871,7 +27017,7 @@
                 <a:cs typeface="Georgia"/>
                 <a:sym typeface="Georgia"/>
               </a:rPr>
-              <a:t>výběr vhodných (</a:t>
+              <a:t>výběr vhodných datových sad (</a:t>
             </a:r>
             <a:r>
               <a:rPr lang="cs-CZ" sz="1600">
@@ -27007,7 +27153,7 @@
   <p:cSld>
     <p:spTree>
       <p:nvGrpSpPr>
-        <p:cNvPr id="186" name="Shape 186"/>
+        <p:cNvPr id="188" name="Shape 188"/>
         <p:cNvGrpSpPr/>
         <p:nvPr/>
       </p:nvGrpSpPr>
@@ -27021,7 +27167,7 @@
       </p:grpSpPr>
       <p:sp>
         <p:nvSpPr>
-          <p:cNvPr id="187" name="Shape 187"/>
+          <p:cNvPr id="189" name="Shape 189"/>
           <p:cNvSpPr txBox="1"/>
           <p:nvPr>
             <p:ph type="title"/>
@@ -27080,7 +27226,7 @@
       </p:sp>
       <p:sp>
         <p:nvSpPr>
-          <p:cNvPr id="188" name="Shape 188"/>
+          <p:cNvPr id="190" name="Shape 190"/>
           <p:cNvSpPr txBox="1"/>
           <p:nvPr>
             <p:ph idx="1" type="body"/>
@@ -27211,7 +27357,7 @@
 </file>
 
 <file path=ppt/theme/theme1.xml><?xml version="1.0" encoding="utf-8"?>
-<a:theme xmlns:a="http://schemas.openxmlformats.org/drawingml/2006/main" xmlns:r="http://schemas.openxmlformats.org/officeDocument/2006/relationships" name="3_Retrospektiva">
+<a:theme xmlns:a="http://schemas.openxmlformats.org/drawingml/2006/main" xmlns:r="http://schemas.openxmlformats.org/officeDocument/2006/relationships" name="1_Retrospektiva">
   <a:themeElements>
     <a:clrScheme name="Retrospect">
       <a:dk1>
@@ -27490,9 +27636,9 @@
 </file>
 
 <file path=ppt/theme/theme2.xml><?xml version="1.0" encoding="utf-8"?>
-<a:theme xmlns:a="http://schemas.openxmlformats.org/drawingml/2006/main" xmlns:r="http://schemas.openxmlformats.org/officeDocument/2006/relationships" name="4_Retrospektiva">
+<a:theme xmlns:a="http://schemas.openxmlformats.org/drawingml/2006/main" xmlns:r="http://schemas.openxmlformats.org/officeDocument/2006/relationships" name="Custom Theme">
   <a:themeElements>
-    <a:clrScheme name="Retrospect">
+    <a:clrScheme name="Default">
       <a:dk1>
         <a:srgbClr val="000000"/>
       </a:dk1>
@@ -27500,34 +27646,34 @@
         <a:srgbClr val="FFFFFF"/>
       </a:lt1>
       <a:dk2>
-        <a:srgbClr val="344068"/>
+        <a:srgbClr val="158158"/>
       </a:dk2>
       <a:lt2>
-        <a:srgbClr val="D9E0E6"/>
+        <a:srgbClr val="F3F3F3"/>
       </a:lt2>
       <a:accent1>
-        <a:srgbClr val="1CADE4"/>
+        <a:srgbClr val="058DC7"/>
       </a:accent1>
       <a:accent2>
-        <a:srgbClr val="2683C6"/>
+        <a:srgbClr val="50B432"/>
       </a:accent2>
       <a:accent3>
-        <a:srgbClr val="28C4CC"/>
+        <a:srgbClr val="ED561B"/>
       </a:accent3>
       <a:accent4>
-        <a:srgbClr val="42BA97"/>
+        <a:srgbClr val="EDEF00"/>
       </a:accent4>
       <a:accent5>
-        <a:srgbClr val="3E8853"/>
+        <a:srgbClr val="24CBE5"/>
       </a:accent5>
       <a:accent6>
-        <a:srgbClr val="62A39F"/>
+        <a:srgbClr val="64E572"/>
       </a:accent6>
       <a:hlink>
-        <a:srgbClr val="6EAC1C"/>
+        <a:srgbClr val="2200CC"/>
       </a:hlink>
       <a:folHlink>
-        <a:srgbClr val="B26B02"/>
+        <a:srgbClr val="551A8B"/>
       </a:folHlink>
     </a:clrScheme>
     <a:fontScheme name="Office">
@@ -27769,7 +27915,7 @@
 </file>
 
 <file path=ppt/theme/theme3.xml><?xml version="1.0" encoding="utf-8"?>
-<a:theme xmlns:a="http://schemas.openxmlformats.org/drawingml/2006/main" xmlns:r="http://schemas.openxmlformats.org/officeDocument/2006/relationships" name="5_Retrospektiva">
+<a:theme xmlns:a="http://schemas.openxmlformats.org/drawingml/2006/main" xmlns:r="http://schemas.openxmlformats.org/officeDocument/2006/relationships" name="4_Retrospektiva">
   <a:themeElements>
     <a:clrScheme name="Retrospect">
       <a:dk1>
@@ -28327,6 +28473,285 @@
 </file>
 
 <file path=ppt/theme/theme5.xml><?xml version="1.0" encoding="utf-8"?>
+<a:theme xmlns:a="http://schemas.openxmlformats.org/drawingml/2006/main" xmlns:r="http://schemas.openxmlformats.org/officeDocument/2006/relationships" name="3_Retrospektiva">
+  <a:themeElements>
+    <a:clrScheme name="Retrospect">
+      <a:dk1>
+        <a:srgbClr val="000000"/>
+      </a:dk1>
+      <a:lt1>
+        <a:srgbClr val="FFFFFF"/>
+      </a:lt1>
+      <a:dk2>
+        <a:srgbClr val="344068"/>
+      </a:dk2>
+      <a:lt2>
+        <a:srgbClr val="D9E0E6"/>
+      </a:lt2>
+      <a:accent1>
+        <a:srgbClr val="1CADE4"/>
+      </a:accent1>
+      <a:accent2>
+        <a:srgbClr val="2683C6"/>
+      </a:accent2>
+      <a:accent3>
+        <a:srgbClr val="28C4CC"/>
+      </a:accent3>
+      <a:accent4>
+        <a:srgbClr val="42BA97"/>
+      </a:accent4>
+      <a:accent5>
+        <a:srgbClr val="3E8853"/>
+      </a:accent5>
+      <a:accent6>
+        <a:srgbClr val="62A39F"/>
+      </a:accent6>
+      <a:hlink>
+        <a:srgbClr val="6EAC1C"/>
+      </a:hlink>
+      <a:folHlink>
+        <a:srgbClr val="B26B02"/>
+      </a:folHlink>
+    </a:clrScheme>
+    <a:fontScheme name="Office">
+      <a:majorFont>
+        <a:latin typeface="Arial"/>
+        <a:ea typeface=""/>
+        <a:cs typeface=""/>
+        <a:font script="Jpan" typeface="ＭＳ Ｐゴシック"/>
+        <a:font script="Hang" typeface="맑은 고딕"/>
+        <a:font script="Hans" typeface="宋体"/>
+        <a:font script="Hant" typeface="新細明體"/>
+        <a:font script="Arab" typeface="Times New Roman"/>
+        <a:font script="Hebr" typeface="Times New Roman"/>
+        <a:font script="Thai" typeface="Angsana New"/>
+        <a:font script="Ethi" typeface="Nyala"/>
+        <a:font script="Beng" typeface="Vrinda"/>
+        <a:font script="Gujr" typeface="Shruti"/>
+        <a:font script="Khmr" typeface="MoolBoran"/>
+        <a:font script="Knda" typeface="Tunga"/>
+        <a:font script="Guru" typeface="Raavi"/>
+        <a:font script="Cans" typeface="Euphemia"/>
+        <a:font script="Cher" typeface="Plantagenet Cherokee"/>
+        <a:font script="Yiii" typeface="Microsoft Yi Baiti"/>
+        <a:font script="Tibt" typeface="Microsoft Himalaya"/>
+        <a:font script="Thaa" typeface="MV Boli"/>
+        <a:font script="Deva" typeface="Mangal"/>
+        <a:font script="Telu" typeface="Gautami"/>
+        <a:font script="Taml" typeface="Latha"/>
+        <a:font script="Syrc" typeface="Estrangelo Edessa"/>
+        <a:font script="Orya" typeface="Kalinga"/>
+        <a:font script="Mlym" typeface="Kartika"/>
+        <a:font script="Laoo" typeface="DokChampa"/>
+        <a:font script="Sinh" typeface="Iskoola Pota"/>
+        <a:font script="Mong" typeface="Mongolian Baiti"/>
+        <a:font script="Viet" typeface="Times New Roman"/>
+        <a:font script="Uigh" typeface="Microsoft Uighur"/>
+        <a:font script="Geor" typeface="Sylfaen"/>
+      </a:majorFont>
+      <a:minorFont>
+        <a:latin typeface="Arial"/>
+        <a:ea typeface=""/>
+        <a:cs typeface=""/>
+        <a:font script="Jpan" typeface="ＭＳ Ｐゴシック"/>
+        <a:font script="Hang" typeface="맑은 고딕"/>
+        <a:font script="Hans" typeface="宋体"/>
+        <a:font script="Hant" typeface="新細明體"/>
+        <a:font script="Arab" typeface="Arial"/>
+        <a:font script="Hebr" typeface="Arial"/>
+        <a:font script="Thai" typeface="Cordia New"/>
+        <a:font script="Ethi" typeface="Nyala"/>
+        <a:font script="Beng" typeface="Vrinda"/>
+        <a:font script="Gujr" typeface="Shruti"/>
+        <a:font script="Khmr" typeface="DaunPenh"/>
+        <a:font script="Knda" typeface="Tunga"/>
+        <a:font script="Guru" typeface="Raavi"/>
+        <a:font script="Cans" typeface="Euphemia"/>
+        <a:font script="Cher" typeface="Plantagenet Cherokee"/>
+        <a:font script="Yiii" typeface="Microsoft Yi Baiti"/>
+        <a:font script="Tibt" typeface="Microsoft Himalaya"/>
+        <a:font script="Thaa" typeface="MV Boli"/>
+        <a:font script="Deva" typeface="Mangal"/>
+        <a:font script="Telu" typeface="Gautami"/>
+        <a:font script="Taml" typeface="Latha"/>
+        <a:font script="Syrc" typeface="Estrangelo Edessa"/>
+        <a:font script="Orya" typeface="Kalinga"/>
+        <a:font script="Mlym" typeface="Kartika"/>
+        <a:font script="Laoo" typeface="DokChampa"/>
+        <a:font script="Sinh" typeface="Iskoola Pota"/>
+        <a:font script="Mong" typeface="Mongolian Baiti"/>
+        <a:font script="Viet" typeface="Arial"/>
+        <a:font script="Uigh" typeface="Microsoft Uighur"/>
+        <a:font script="Geor" typeface="Sylfaen"/>
+      </a:minorFont>
+    </a:fontScheme>
+    <a:fmtScheme name="Office">
+      <a:fillStyleLst>
+        <a:solidFill>
+          <a:schemeClr val="phClr"/>
+        </a:solidFill>
+        <a:gradFill rotWithShape="1">
+          <a:gsLst>
+            <a:gs pos="0">
+              <a:schemeClr val="phClr">
+                <a:tint val="50000"/>
+                <a:satMod val="300000"/>
+              </a:schemeClr>
+            </a:gs>
+            <a:gs pos="35000">
+              <a:schemeClr val="phClr">
+                <a:tint val="37000"/>
+                <a:satMod val="300000"/>
+              </a:schemeClr>
+            </a:gs>
+            <a:gs pos="100000">
+              <a:schemeClr val="phClr">
+                <a:tint val="15000"/>
+                <a:satMod val="350000"/>
+              </a:schemeClr>
+            </a:gs>
+          </a:gsLst>
+          <a:lin ang="16200000" scaled="1"/>
+        </a:gradFill>
+        <a:gradFill rotWithShape="1">
+          <a:gsLst>
+            <a:gs pos="0">
+              <a:schemeClr val="phClr">
+                <a:tint val="100000"/>
+                <a:shade val="100000"/>
+                <a:satMod val="130000"/>
+              </a:schemeClr>
+            </a:gs>
+            <a:gs pos="100000">
+              <a:schemeClr val="phClr">
+                <a:tint val="50000"/>
+                <a:shade val="100000"/>
+                <a:satMod val="350000"/>
+              </a:schemeClr>
+            </a:gs>
+          </a:gsLst>
+          <a:lin ang="16200000" scaled="0"/>
+        </a:gradFill>
+      </a:fillStyleLst>
+      <a:lnStyleLst>
+        <a:ln w="9525" cap="flat" cmpd="sng" algn="ctr">
+          <a:solidFill>
+            <a:schemeClr val="phClr">
+              <a:shade val="95000"/>
+              <a:satMod val="105000"/>
+            </a:schemeClr>
+          </a:solidFill>
+          <a:prstDash val="solid"/>
+        </a:ln>
+        <a:ln w="25400" cap="flat" cmpd="sng" algn="ctr">
+          <a:solidFill>
+            <a:schemeClr val="phClr"/>
+          </a:solidFill>
+          <a:prstDash val="solid"/>
+        </a:ln>
+        <a:ln w="38100" cap="flat" cmpd="sng" algn="ctr">
+          <a:solidFill>
+            <a:schemeClr val="phClr"/>
+          </a:solidFill>
+          <a:prstDash val="solid"/>
+        </a:ln>
+      </a:lnStyleLst>
+      <a:effectStyleLst>
+        <a:effectStyle>
+          <a:effectLst>
+            <a:outerShdw blurRad="40000" dist="20000" dir="5400000" rotWithShape="0">
+              <a:srgbClr val="000000">
+                <a:alpha val="38000"/>
+              </a:srgbClr>
+            </a:outerShdw>
+          </a:effectLst>
+        </a:effectStyle>
+        <a:effectStyle>
+          <a:effectLst>
+            <a:outerShdw blurRad="40000" dist="23000" dir="5400000" rotWithShape="0">
+              <a:srgbClr val="000000">
+                <a:alpha val="35000"/>
+              </a:srgbClr>
+            </a:outerShdw>
+          </a:effectLst>
+        </a:effectStyle>
+        <a:effectStyle>
+          <a:effectLst>
+            <a:outerShdw blurRad="40000" dist="23000" dir="5400000" rotWithShape="0">
+              <a:srgbClr val="000000">
+                <a:alpha val="35000"/>
+              </a:srgbClr>
+            </a:outerShdw>
+          </a:effectLst>
+          <a:scene3d>
+            <a:camera prst="orthographicFront">
+              <a:rot lat="0" lon="0" rev="0"/>
+            </a:camera>
+            <a:lightRig rig="threePt" dir="t">
+              <a:rot lat="0" lon="0" rev="1200000"/>
+            </a:lightRig>
+          </a:scene3d>
+          <a:sp3d>
+            <a:bevelT w="63500" h="25400"/>
+          </a:sp3d>
+        </a:effectStyle>
+      </a:effectStyleLst>
+      <a:bgFillStyleLst>
+        <a:solidFill>
+          <a:schemeClr val="phClr"/>
+        </a:solidFill>
+        <a:gradFill rotWithShape="1">
+          <a:gsLst>
+            <a:gs pos="0">
+              <a:schemeClr val="phClr">
+                <a:tint val="40000"/>
+                <a:satMod val="350000"/>
+              </a:schemeClr>
+            </a:gs>
+            <a:gs pos="40000">
+              <a:schemeClr val="phClr">
+                <a:tint val="45000"/>
+                <a:shade val="99000"/>
+                <a:satMod val="350000"/>
+              </a:schemeClr>
+            </a:gs>
+            <a:gs pos="100000">
+              <a:schemeClr val="phClr">
+                <a:shade val="20000"/>
+                <a:satMod val="255000"/>
+              </a:schemeClr>
+            </a:gs>
+          </a:gsLst>
+          <a:path path="circle">
+            <a:fillToRect l="50000" t="-80000" r="50000" b="180000"/>
+          </a:path>
+        </a:gradFill>
+        <a:gradFill rotWithShape="1">
+          <a:gsLst>
+            <a:gs pos="0">
+              <a:schemeClr val="phClr">
+                <a:tint val="80000"/>
+                <a:satMod val="300000"/>
+              </a:schemeClr>
+            </a:gs>
+            <a:gs pos="100000">
+              <a:schemeClr val="phClr">
+                <a:shade val="30000"/>
+                <a:satMod val="200000"/>
+              </a:schemeClr>
+            </a:gs>
+          </a:gsLst>
+          <a:path path="circle">
+            <a:fillToRect l="50000" t="50000" r="50000" b="50000"/>
+          </a:path>
+        </a:gradFill>
+      </a:bgFillStyleLst>
+    </a:fmtScheme>
+  </a:themeElements>
+</a:theme>
+</file>
+
+<file path=ppt/theme/theme6.xml><?xml version="1.0" encoding="utf-8"?>
 <a:theme xmlns:a="http://schemas.openxmlformats.org/drawingml/2006/main" xmlns:r="http://schemas.openxmlformats.org/officeDocument/2006/relationships" name="2_Retrospektiva">
   <a:themeElements>
     <a:clrScheme name="Retrospect">
@@ -28605,8 +29030,8 @@
 </a:theme>
 </file>
 
-<file path=ppt/theme/theme6.xml><?xml version="1.0" encoding="utf-8"?>
-<a:theme xmlns:a="http://schemas.openxmlformats.org/drawingml/2006/main" xmlns:r="http://schemas.openxmlformats.org/officeDocument/2006/relationships" name="6_Retrospektiva">
+<file path=ppt/theme/theme7.xml><?xml version="1.0" encoding="utf-8"?>
+<a:theme xmlns:a="http://schemas.openxmlformats.org/drawingml/2006/main" xmlns:r="http://schemas.openxmlformats.org/officeDocument/2006/relationships" name="5_Retrospektiva">
   <a:themeElements>
     <a:clrScheme name="Retrospect">
       <a:dk1>
@@ -28884,287 +29309,8 @@
 </a:theme>
 </file>
 
-<file path=ppt/theme/theme7.xml><?xml version="1.0" encoding="utf-8"?>
-<a:theme xmlns:a="http://schemas.openxmlformats.org/drawingml/2006/main" xmlns:r="http://schemas.openxmlformats.org/officeDocument/2006/relationships" name="Custom Theme">
-  <a:themeElements>
-    <a:clrScheme name="Default">
-      <a:dk1>
-        <a:srgbClr val="000000"/>
-      </a:dk1>
-      <a:lt1>
-        <a:srgbClr val="FFFFFF"/>
-      </a:lt1>
-      <a:dk2>
-        <a:srgbClr val="158158"/>
-      </a:dk2>
-      <a:lt2>
-        <a:srgbClr val="F3F3F3"/>
-      </a:lt2>
-      <a:accent1>
-        <a:srgbClr val="058DC7"/>
-      </a:accent1>
-      <a:accent2>
-        <a:srgbClr val="50B432"/>
-      </a:accent2>
-      <a:accent3>
-        <a:srgbClr val="ED561B"/>
-      </a:accent3>
-      <a:accent4>
-        <a:srgbClr val="EDEF00"/>
-      </a:accent4>
-      <a:accent5>
-        <a:srgbClr val="24CBE5"/>
-      </a:accent5>
-      <a:accent6>
-        <a:srgbClr val="64E572"/>
-      </a:accent6>
-      <a:hlink>
-        <a:srgbClr val="2200CC"/>
-      </a:hlink>
-      <a:folHlink>
-        <a:srgbClr val="551A8B"/>
-      </a:folHlink>
-    </a:clrScheme>
-    <a:fontScheme name="Office">
-      <a:majorFont>
-        <a:latin typeface="Arial"/>
-        <a:ea typeface=""/>
-        <a:cs typeface=""/>
-        <a:font script="Jpan" typeface="ＭＳ Ｐゴシック"/>
-        <a:font script="Hang" typeface="맑은 고딕"/>
-        <a:font script="Hans" typeface="宋体"/>
-        <a:font script="Hant" typeface="新細明體"/>
-        <a:font script="Arab" typeface="Times New Roman"/>
-        <a:font script="Hebr" typeface="Times New Roman"/>
-        <a:font script="Thai" typeface="Angsana New"/>
-        <a:font script="Ethi" typeface="Nyala"/>
-        <a:font script="Beng" typeface="Vrinda"/>
-        <a:font script="Gujr" typeface="Shruti"/>
-        <a:font script="Khmr" typeface="MoolBoran"/>
-        <a:font script="Knda" typeface="Tunga"/>
-        <a:font script="Guru" typeface="Raavi"/>
-        <a:font script="Cans" typeface="Euphemia"/>
-        <a:font script="Cher" typeface="Plantagenet Cherokee"/>
-        <a:font script="Yiii" typeface="Microsoft Yi Baiti"/>
-        <a:font script="Tibt" typeface="Microsoft Himalaya"/>
-        <a:font script="Thaa" typeface="MV Boli"/>
-        <a:font script="Deva" typeface="Mangal"/>
-        <a:font script="Telu" typeface="Gautami"/>
-        <a:font script="Taml" typeface="Latha"/>
-        <a:font script="Syrc" typeface="Estrangelo Edessa"/>
-        <a:font script="Orya" typeface="Kalinga"/>
-        <a:font script="Mlym" typeface="Kartika"/>
-        <a:font script="Laoo" typeface="DokChampa"/>
-        <a:font script="Sinh" typeface="Iskoola Pota"/>
-        <a:font script="Mong" typeface="Mongolian Baiti"/>
-        <a:font script="Viet" typeface="Times New Roman"/>
-        <a:font script="Uigh" typeface="Microsoft Uighur"/>
-        <a:font script="Geor" typeface="Sylfaen"/>
-      </a:majorFont>
-      <a:minorFont>
-        <a:latin typeface="Arial"/>
-        <a:ea typeface=""/>
-        <a:cs typeface=""/>
-        <a:font script="Jpan" typeface="ＭＳ Ｐゴシック"/>
-        <a:font script="Hang" typeface="맑은 고딕"/>
-        <a:font script="Hans" typeface="宋体"/>
-        <a:font script="Hant" typeface="新細明體"/>
-        <a:font script="Arab" typeface="Arial"/>
-        <a:font script="Hebr" typeface="Arial"/>
-        <a:font script="Thai" typeface="Cordia New"/>
-        <a:font script="Ethi" typeface="Nyala"/>
-        <a:font script="Beng" typeface="Vrinda"/>
-        <a:font script="Gujr" typeface="Shruti"/>
-        <a:font script="Khmr" typeface="DaunPenh"/>
-        <a:font script="Knda" typeface="Tunga"/>
-        <a:font script="Guru" typeface="Raavi"/>
-        <a:font script="Cans" typeface="Euphemia"/>
-        <a:font script="Cher" typeface="Plantagenet Cherokee"/>
-        <a:font script="Yiii" typeface="Microsoft Yi Baiti"/>
-        <a:font script="Tibt" typeface="Microsoft Himalaya"/>
-        <a:font script="Thaa" typeface="MV Boli"/>
-        <a:font script="Deva" typeface="Mangal"/>
-        <a:font script="Telu" typeface="Gautami"/>
-        <a:font script="Taml" typeface="Latha"/>
-        <a:font script="Syrc" typeface="Estrangelo Edessa"/>
-        <a:font script="Orya" typeface="Kalinga"/>
-        <a:font script="Mlym" typeface="Kartika"/>
-        <a:font script="Laoo" typeface="DokChampa"/>
-        <a:font script="Sinh" typeface="Iskoola Pota"/>
-        <a:font script="Mong" typeface="Mongolian Baiti"/>
-        <a:font script="Viet" typeface="Arial"/>
-        <a:font script="Uigh" typeface="Microsoft Uighur"/>
-        <a:font script="Geor" typeface="Sylfaen"/>
-      </a:minorFont>
-    </a:fontScheme>
-    <a:fmtScheme name="Office">
-      <a:fillStyleLst>
-        <a:solidFill>
-          <a:schemeClr val="phClr"/>
-        </a:solidFill>
-        <a:gradFill rotWithShape="1">
-          <a:gsLst>
-            <a:gs pos="0">
-              <a:schemeClr val="phClr">
-                <a:tint val="50000"/>
-                <a:satMod val="300000"/>
-              </a:schemeClr>
-            </a:gs>
-            <a:gs pos="35000">
-              <a:schemeClr val="phClr">
-                <a:tint val="37000"/>
-                <a:satMod val="300000"/>
-              </a:schemeClr>
-            </a:gs>
-            <a:gs pos="100000">
-              <a:schemeClr val="phClr">
-                <a:tint val="15000"/>
-                <a:satMod val="350000"/>
-              </a:schemeClr>
-            </a:gs>
-          </a:gsLst>
-          <a:lin ang="16200000" scaled="1"/>
-        </a:gradFill>
-        <a:gradFill rotWithShape="1">
-          <a:gsLst>
-            <a:gs pos="0">
-              <a:schemeClr val="phClr">
-                <a:tint val="100000"/>
-                <a:shade val="100000"/>
-                <a:satMod val="130000"/>
-              </a:schemeClr>
-            </a:gs>
-            <a:gs pos="100000">
-              <a:schemeClr val="phClr">
-                <a:tint val="50000"/>
-                <a:shade val="100000"/>
-                <a:satMod val="350000"/>
-              </a:schemeClr>
-            </a:gs>
-          </a:gsLst>
-          <a:lin ang="16200000" scaled="0"/>
-        </a:gradFill>
-      </a:fillStyleLst>
-      <a:lnStyleLst>
-        <a:ln w="9525" cap="flat" cmpd="sng" algn="ctr">
-          <a:solidFill>
-            <a:schemeClr val="phClr">
-              <a:shade val="95000"/>
-              <a:satMod val="105000"/>
-            </a:schemeClr>
-          </a:solidFill>
-          <a:prstDash val="solid"/>
-        </a:ln>
-        <a:ln w="25400" cap="flat" cmpd="sng" algn="ctr">
-          <a:solidFill>
-            <a:schemeClr val="phClr"/>
-          </a:solidFill>
-          <a:prstDash val="solid"/>
-        </a:ln>
-        <a:ln w="38100" cap="flat" cmpd="sng" algn="ctr">
-          <a:solidFill>
-            <a:schemeClr val="phClr"/>
-          </a:solidFill>
-          <a:prstDash val="solid"/>
-        </a:ln>
-      </a:lnStyleLst>
-      <a:effectStyleLst>
-        <a:effectStyle>
-          <a:effectLst>
-            <a:outerShdw blurRad="40000" dist="20000" dir="5400000" rotWithShape="0">
-              <a:srgbClr val="000000">
-                <a:alpha val="38000"/>
-              </a:srgbClr>
-            </a:outerShdw>
-          </a:effectLst>
-        </a:effectStyle>
-        <a:effectStyle>
-          <a:effectLst>
-            <a:outerShdw blurRad="40000" dist="23000" dir="5400000" rotWithShape="0">
-              <a:srgbClr val="000000">
-                <a:alpha val="35000"/>
-              </a:srgbClr>
-            </a:outerShdw>
-          </a:effectLst>
-        </a:effectStyle>
-        <a:effectStyle>
-          <a:effectLst>
-            <a:outerShdw blurRad="40000" dist="23000" dir="5400000" rotWithShape="0">
-              <a:srgbClr val="000000">
-                <a:alpha val="35000"/>
-              </a:srgbClr>
-            </a:outerShdw>
-          </a:effectLst>
-          <a:scene3d>
-            <a:camera prst="orthographicFront">
-              <a:rot lat="0" lon="0" rev="0"/>
-            </a:camera>
-            <a:lightRig rig="threePt" dir="t">
-              <a:rot lat="0" lon="0" rev="1200000"/>
-            </a:lightRig>
-          </a:scene3d>
-          <a:sp3d>
-            <a:bevelT w="63500" h="25400"/>
-          </a:sp3d>
-        </a:effectStyle>
-      </a:effectStyleLst>
-      <a:bgFillStyleLst>
-        <a:solidFill>
-          <a:schemeClr val="phClr"/>
-        </a:solidFill>
-        <a:gradFill rotWithShape="1">
-          <a:gsLst>
-            <a:gs pos="0">
-              <a:schemeClr val="phClr">
-                <a:tint val="40000"/>
-                <a:satMod val="350000"/>
-              </a:schemeClr>
-            </a:gs>
-            <a:gs pos="40000">
-              <a:schemeClr val="phClr">
-                <a:tint val="45000"/>
-                <a:shade val="99000"/>
-                <a:satMod val="350000"/>
-              </a:schemeClr>
-            </a:gs>
-            <a:gs pos="100000">
-              <a:schemeClr val="phClr">
-                <a:shade val="20000"/>
-                <a:satMod val="255000"/>
-              </a:schemeClr>
-            </a:gs>
-          </a:gsLst>
-          <a:path path="circle">
-            <a:fillToRect l="50000" t="-80000" r="50000" b="180000"/>
-          </a:path>
-        </a:gradFill>
-        <a:gradFill rotWithShape="1">
-          <a:gsLst>
-            <a:gs pos="0">
-              <a:schemeClr val="phClr">
-                <a:tint val="80000"/>
-                <a:satMod val="300000"/>
-              </a:schemeClr>
-            </a:gs>
-            <a:gs pos="100000">
-              <a:schemeClr val="phClr">
-                <a:shade val="30000"/>
-                <a:satMod val="200000"/>
-              </a:schemeClr>
-            </a:gs>
-          </a:gsLst>
-          <a:path path="circle">
-            <a:fillToRect l="50000" t="50000" r="50000" b="50000"/>
-          </a:path>
-        </a:gradFill>
-      </a:bgFillStyleLst>
-    </a:fmtScheme>
-  </a:themeElements>
-</a:theme>
-</file>
-
 <file path=ppt/theme/theme8.xml><?xml version="1.0" encoding="utf-8"?>
-<a:theme xmlns:a="http://schemas.openxmlformats.org/drawingml/2006/main" xmlns:r="http://schemas.openxmlformats.org/officeDocument/2006/relationships" name="1_Retrospektiva">
+<a:theme xmlns:a="http://schemas.openxmlformats.org/drawingml/2006/main" xmlns:r="http://schemas.openxmlformats.org/officeDocument/2006/relationships" name="6_Retrospektiva">
   <a:themeElements>
     <a:clrScheme name="Retrospect">
       <a:dk1>
